--- a/Presentaciones/6. Creación de proyecto ionic para Android y iOS.pptx
+++ b/Presentaciones/6. Creación de proyecto ionic para Android y iOS.pptx
@@ -233,7 +233,7 @@
             <a:pPr algn="r" rtl="0"/>
             <a:fld id="{DA61EFE9-9F30-4528-BDDA-C859CD15CA56}" type="datetime1">
               <a:rPr lang="es-ES" smtClean="0"/>
-              <a:t>22/08/2018</a:t>
+              <a:t>26/08/2018</a:t>
             </a:fld>
             <a:endParaRPr lang="es-ES" dirty="0"/>
           </a:p>
@@ -403,7 +403,7 @@
             <a:fld id="{27373BEA-F5F3-4B6E-BA6B-D76E24101839}" type="datetime1">
               <a:rPr lang="es-ES" smtClean="0"/>
               <a:pPr/>
-              <a:t>22/08/2018</a:t>
+              <a:t>26/08/2018</a:t>
             </a:fld>
             <a:endParaRPr lang="es-ES" dirty="0"/>
           </a:p>
@@ -873,7 +873,7 @@
           <a:p>
             <a:fld id="{D1F3A871-E095-425B-8138-DD883F1F9138}" type="datetimeFigureOut">
               <a:rPr lang="es-CO" smtClean="0"/>
-              <a:t>22/08/2018</a:t>
+              <a:t>26/08/2018</a:t>
             </a:fld>
             <a:endParaRPr lang="es-CO"/>
           </a:p>
@@ -1076,7 +1076,7 @@
             <a:fld id="{F1AC609F-0362-4067-A47A-9F1CA2E45A65}" type="datetime1">
               <a:rPr lang="es-ES" smtClean="0"/>
               <a:pPr/>
-              <a:t>22/08/2018</a:t>
+              <a:t>26/08/2018</a:t>
             </a:fld>
             <a:endParaRPr lang="es-ES" dirty="0"/>
           </a:p>
@@ -1271,7 +1271,7 @@
             <a:fld id="{932AED9F-A6BB-400D-8F4D-616EB46A9405}" type="datetime1">
               <a:rPr lang="es-ES" smtClean="0"/>
               <a:pPr/>
-              <a:t>22/08/2018</a:t>
+              <a:t>26/08/2018</a:t>
             </a:fld>
             <a:endParaRPr lang="es-ES" dirty="0"/>
           </a:p>
@@ -1457,7 +1457,7 @@
             <a:fld id="{7170E197-1079-4777-8273-53286CD6A787}" type="datetime1">
               <a:rPr lang="es-ES" smtClean="0"/>
               <a:pPr algn="r"/>
-              <a:t>22/08/2018</a:t>
+              <a:t>26/08/2018</a:t>
             </a:fld>
             <a:endParaRPr lang="es-ES" dirty="0"/>
           </a:p>
@@ -1716,7 +1716,7 @@
             <a:fld id="{A12EF1AF-E5B2-41DB-BFF8-672C5BBF646A}" type="datetime1">
               <a:rPr lang="es-ES" smtClean="0"/>
               <a:pPr/>
-              <a:t>22/08/2018</a:t>
+              <a:t>26/08/2018</a:t>
             </a:fld>
             <a:endParaRPr lang="es-ES" dirty="0"/>
           </a:p>
@@ -2020,7 +2020,7 @@
             <a:fld id="{8E17C630-F8FA-4DCB-87FA-91D30885A2FD}" type="datetime1">
               <a:rPr lang="es-ES" smtClean="0"/>
               <a:pPr algn="r"/>
-              <a:t>22/08/2018</a:t>
+              <a:t>26/08/2018</a:t>
             </a:fld>
             <a:endParaRPr lang="es-ES" dirty="0"/>
           </a:p>
@@ -2473,7 +2473,7 @@
             <a:fld id="{724076C6-356A-48AB-A8EF-572AE4A11929}" type="datetime1">
               <a:rPr lang="es-ES" smtClean="0"/>
               <a:pPr/>
-              <a:t>22/08/2018</a:t>
+              <a:t>26/08/2018</a:t>
             </a:fld>
             <a:endParaRPr lang="es-ES" dirty="0"/>
           </a:p>
@@ -2606,7 +2606,7 @@
             <a:fld id="{E4A686D9-BDBD-4090-B19D-04E04F3CB648}" type="datetime1">
               <a:rPr lang="es-ES" smtClean="0"/>
               <a:pPr/>
-              <a:t>22/08/2018</a:t>
+              <a:t>26/08/2018</a:t>
             </a:fld>
             <a:endParaRPr lang="es-ES" dirty="0"/>
           </a:p>
@@ -2716,7 +2716,7 @@
             <a:fld id="{D1B4D0FB-1285-4974-8D4E-BCFCC0FA7978}" type="datetime1">
               <a:rPr lang="es-ES" smtClean="0"/>
               <a:pPr/>
-              <a:t>22/08/2018</a:t>
+              <a:t>26/08/2018</a:t>
             </a:fld>
             <a:endParaRPr lang="es-ES" dirty="0"/>
           </a:p>
@@ -3087,7 +3087,7 @@
             <a:fld id="{9C3D96D5-80C9-4ED7-89C2-CE590C3C6CB2}" type="datetime1">
               <a:rPr lang="es-ES" smtClean="0"/>
               <a:pPr/>
-              <a:t>22/08/2018</a:t>
+              <a:t>26/08/2018</a:t>
             </a:fld>
             <a:endParaRPr lang="es-ES" dirty="0"/>
           </a:p>
@@ -3418,7 +3418,7 @@
             <a:fld id="{DA911BAB-2490-48FD-81BA-E5EB85DA87AE}" type="datetime1">
               <a:rPr lang="es-ES" smtClean="0"/>
               <a:pPr/>
-              <a:t>22/08/2018</a:t>
+              <a:t>26/08/2018</a:t>
             </a:fld>
             <a:endParaRPr lang="es-ES" dirty="0"/>
           </a:p>
@@ -3668,7 +3668,7 @@
             <a:fld id="{7170E197-1079-4777-8273-53286CD6A787}" type="datetime1">
               <a:rPr lang="es-ES" smtClean="0"/>
               <a:pPr algn="r"/>
-              <a:t>22/08/2018</a:t>
+              <a:t>26/08/2018</a:t>
             </a:fld>
             <a:endParaRPr lang="es-ES" dirty="0"/>
           </a:p>
@@ -7460,6 +7460,15 @@
 </file>
 
 <file path=customXml/item1.xml><?xml version="1.0" encoding="utf-8"?>
+<?mso-contentType ?>
+<FormTemplates xmlns="http://schemas.microsoft.com/sharepoint/v3/contenttype/forms">
+  <Display>DocumentLibraryForm</Display>
+  <Edit>AssetEditForm</Edit>
+  <New>DocumentLibraryForm</New>
+</FormTemplates>
+</file>
+
+<file path=customXml/item2.xml><?xml version="1.0" encoding="utf-8"?>
 <ct:contentTypeSchema xmlns:ct="http://schemas.microsoft.com/office/2006/metadata/contentType" xmlns:ma="http://schemas.microsoft.com/office/2006/metadata/properties/metaAttributes" ct:_="" ma:_="" ma:contentTypeName="TemplateFile" ma:contentTypeID="0x0101006EDDDB5EE6D98C44930B742096920B300400F5B6D36B3EF94B4E9A635CDF2A18F5B8" ma:contentTypeVersion="72" ma:contentTypeDescription="Create a new document." ma:contentTypeScope="" ma:versionID="a23e56308344d904b51738559c3d67c9">
   <xsd:schema xmlns:xsd="http://www.w3.org/2001/XMLSchema" xmlns:xs="http://www.w3.org/2001/XMLSchema" xmlns:p="http://schemas.microsoft.com/office/2006/metadata/properties" xmlns:ns2="4873beb7-5857-4685-be1f-d57550cc96cc" targetNamespace="http://schemas.microsoft.com/office/2006/metadata/properties" ma:root="true" ma:fieldsID="cd0908cc4600e77bf5da051303e00c8d" ns2:_="">
     <xsd:import namespace="4873beb7-5857-4685-be1f-d57550cc96cc"/>
@@ -8499,15 +8508,6 @@
 </ct:contentTypeSchema>
 </file>
 
-<file path=customXml/item2.xml><?xml version="1.0" encoding="utf-8"?>
-<?mso-contentType ?>
-<FormTemplates xmlns="http://schemas.microsoft.com/sharepoint/v3/contenttype/forms">
-  <Display>DocumentLibraryForm</Display>
-  <Edit>AssetEditForm</Edit>
-  <New>DocumentLibraryForm</New>
-</FormTemplates>
-</file>
-
 <file path=customXml/item3.xml><?xml version="1.0" encoding="utf-8"?>
 <p:properties xmlns:p="http://schemas.microsoft.com/office/2006/metadata/properties" xmlns:xsi="http://www.w3.org/2001/XMLSchema-instance" xmlns:pc="http://schemas.microsoft.com/office/infopath/2007/PartnerControls">
   <documentManagement>
@@ -8636,6 +8636,14 @@
 </file>
 
 <file path=customXml/itemProps1.xml><?xml version="1.0" encoding="utf-8"?>
+<ds:datastoreItem xmlns:ds="http://schemas.openxmlformats.org/officeDocument/2006/customXml" ds:itemID="{74228E6B-D70C-44BB-A81F-A245495F612B}">
+  <ds:schemaRefs>
+    <ds:schemaRef ds:uri="http://schemas.microsoft.com/sharepoint/v3/contenttype/forms"/>
+  </ds:schemaRefs>
+</ds:datastoreItem>
+</file>
+
+<file path=customXml/itemProps2.xml><?xml version="1.0" encoding="utf-8"?>
 <ds:datastoreItem xmlns:ds="http://schemas.openxmlformats.org/officeDocument/2006/customXml" ds:itemID="{22CCB507-0646-4A50-A4F7-7F385079D589}">
   <ds:schemaRefs>
     <ds:schemaRef ds:uri="http://schemas.microsoft.com/office/2006/metadata/contentType"/>
@@ -8653,14 +8661,6 @@
 </ds:datastoreItem>
 </file>
 
-<file path=customXml/itemProps2.xml><?xml version="1.0" encoding="utf-8"?>
-<ds:datastoreItem xmlns:ds="http://schemas.openxmlformats.org/officeDocument/2006/customXml" ds:itemID="{74228E6B-D70C-44BB-A81F-A245495F612B}">
-  <ds:schemaRefs>
-    <ds:schemaRef ds:uri="http://schemas.microsoft.com/sharepoint/v3/contenttype/forms"/>
-  </ds:schemaRefs>
-</ds:datastoreItem>
-</file>
-
 <file path=customXml/itemProps3.xml><?xml version="1.0" encoding="utf-8"?>
 <ds:datastoreItem xmlns:ds="http://schemas.openxmlformats.org/officeDocument/2006/customXml" ds:itemID="{00E41224-0370-4595-877C-23316CD80004}">
   <ds:schemaRefs>
